--- a/presentations/source/09b-intro-to-ws-sec.pptx
+++ b/presentations/source/09b-intro-to-ws-sec.pptx
@@ -216,7 +216,7 @@
             <a:fld id="{7307762F-A706-E543-A832-3C298AA3103F}" type="datetimeFigureOut">
               <a:rPr lang="en-US" smtClean="0"/>
               <a:pPr/>
-              <a:t>09/12/2012</a:t>
+              <a:t>18/12/2012</a:t>
             </a:fld>
             <a:endParaRPr lang="en-US" dirty="0"/>
           </a:p>
@@ -11974,7 +11974,7 @@
           <a:p>
             <a:fld id="{875CF0EB-321F-0749-B37A-89BBA859503C}" type="datetimeFigureOut">
               <a:rPr lang="en-US" smtClean="0"/>
-              <a:t>09/12/2012</a:t>
+              <a:t>18/12/2012</a:t>
             </a:fld>
             <a:endParaRPr lang="en-US"/>
           </a:p>
@@ -12178,7 +12178,7 @@
           <a:p>
             <a:fld id="{875CF0EB-321F-0749-B37A-89BBA859503C}" type="datetimeFigureOut">
               <a:rPr lang="en-US" smtClean="0"/>
-              <a:t>09/12/2012</a:t>
+              <a:t>18/12/2012</a:t>
             </a:fld>
             <a:endParaRPr lang="en-US"/>
           </a:p>
@@ -12372,7 +12372,7 @@
           <a:p>
             <a:fld id="{875CF0EB-321F-0749-B37A-89BBA859503C}" type="datetimeFigureOut">
               <a:rPr lang="en-US" smtClean="0"/>
-              <a:t>09/12/2012</a:t>
+              <a:t>18/12/2012</a:t>
             </a:fld>
             <a:endParaRPr lang="en-US"/>
           </a:p>
@@ -12642,7 +12642,7 @@
           <a:p>
             <a:fld id="{875CF0EB-321F-0749-B37A-89BBA859503C}" type="datetimeFigureOut">
               <a:rPr lang="en-US" smtClean="0"/>
-              <a:t>09/12/2012</a:t>
+              <a:t>18/12/2012</a:t>
             </a:fld>
             <a:endParaRPr lang="en-US"/>
           </a:p>
@@ -12954,7 +12954,7 @@
           <a:p>
             <a:fld id="{875CF0EB-321F-0749-B37A-89BBA859503C}" type="datetimeFigureOut">
               <a:rPr lang="en-US" smtClean="0"/>
-              <a:t>09/12/2012</a:t>
+              <a:t>18/12/2012</a:t>
             </a:fld>
             <a:endParaRPr lang="en-US"/>
           </a:p>
@@ -13400,7 +13400,7 @@
           <a:p>
             <a:fld id="{875CF0EB-321F-0749-B37A-89BBA859503C}" type="datetimeFigureOut">
               <a:rPr lang="en-US" smtClean="0"/>
-              <a:t>09/12/2012</a:t>
+              <a:t>18/12/2012</a:t>
             </a:fld>
             <a:endParaRPr lang="en-US"/>
           </a:p>
@@ -13542,7 +13542,7 @@
           <a:p>
             <a:fld id="{875CF0EB-321F-0749-B37A-89BBA859503C}" type="datetimeFigureOut">
               <a:rPr lang="en-US" smtClean="0"/>
-              <a:t>09/12/2012</a:t>
+              <a:t>18/12/2012</a:t>
             </a:fld>
             <a:endParaRPr lang="en-US"/>
           </a:p>
@@ -13661,7 +13661,7 @@
           <a:p>
             <a:fld id="{875CF0EB-321F-0749-B37A-89BBA859503C}" type="datetimeFigureOut">
               <a:rPr lang="en-US" smtClean="0"/>
-              <a:t>09/12/2012</a:t>
+              <a:t>18/12/2012</a:t>
             </a:fld>
             <a:endParaRPr lang="en-US"/>
           </a:p>
@@ -13962,7 +13962,7 @@
           <a:p>
             <a:fld id="{875CF0EB-321F-0749-B37A-89BBA859503C}" type="datetimeFigureOut">
               <a:rPr lang="en-US" smtClean="0"/>
-              <a:t>09/12/2012</a:t>
+              <a:t>18/12/2012</a:t>
             </a:fld>
             <a:endParaRPr lang="en-US"/>
           </a:p>
@@ -14239,7 +14239,7 @@
           <a:p>
             <a:fld id="{875CF0EB-321F-0749-B37A-89BBA859503C}" type="datetimeFigureOut">
               <a:rPr lang="en-US" smtClean="0"/>
-              <a:t>09/12/2012</a:t>
+              <a:t>18/12/2012</a:t>
             </a:fld>
             <a:endParaRPr lang="en-US"/>
           </a:p>
@@ -15062,6 +15062,33 @@
           <a:bodyPr/>
           <a:lstStyle/>
           <a:p>
+            <a:r>
+              <a:rPr lang="en-US" dirty="0">
+                <a:ea typeface="ヒラギノ角ゴ ProN W3" charset="0"/>
+                <a:cs typeface="ヒラギノ角ゴ ProN W3" charset="0"/>
+              </a:rPr>
+              <a:t>Oxford University </a:t>
+            </a:r>
+          </a:p>
+          <a:p>
+            <a:r>
+              <a:rPr lang="en-US" dirty="0">
+                <a:ea typeface="ヒラギノ角ゴ ProN W3" charset="0"/>
+                <a:cs typeface="ヒラギノ角ゴ ProN W3" charset="0"/>
+              </a:rPr>
+              <a:t>Software Engineering Programme</a:t>
+            </a:r>
+          </a:p>
+          <a:p>
+            <a:r>
+              <a:rPr lang="en-US">
+                <a:ea typeface="ヒラギノ角ゴ ProN W3" charset="0"/>
+                <a:cs typeface="ヒラギノ角ゴ ProN W3" charset="0"/>
+              </a:rPr>
+              <a:t>Dec 2012</a:t>
+            </a:r>
+          </a:p>
+          <a:p>
             <a:endParaRPr lang="en-US"/>
           </a:p>
         </p:txBody>
@@ -17044,7 +17071,6 @@
               <a:rPr lang="en-GB" sz="1800" dirty="0" smtClean="0"/>
               <a:t>&gt;</a:t>
             </a:r>
-            <a:endParaRPr lang="en-GB" sz="1800" dirty="0" smtClean="0"/>
           </a:p>
         </p:txBody>
       </p:sp>

--- a/presentations/source/09b-intro-to-ws-sec.pptx
+++ b/presentations/source/09b-intro-to-ws-sec.pptx
@@ -216,7 +216,7 @@
             <a:fld id="{7307762F-A706-E543-A832-3C298AA3103F}" type="datetimeFigureOut">
               <a:rPr lang="en-US" smtClean="0"/>
               <a:pPr/>
-              <a:t>18/12/2012</a:t>
+              <a:t>11/27/13</a:t>
             </a:fld>
             <a:endParaRPr lang="en-US" dirty="0"/>
           </a:p>
@@ -11974,7 +11974,7 @@
           <a:p>
             <a:fld id="{875CF0EB-321F-0749-B37A-89BBA859503C}" type="datetimeFigureOut">
               <a:rPr lang="en-US" smtClean="0"/>
-              <a:t>18/12/2012</a:t>
+              <a:t>11/27/13</a:t>
             </a:fld>
             <a:endParaRPr lang="en-US"/>
           </a:p>
@@ -12178,7 +12178,7 @@
           <a:p>
             <a:fld id="{875CF0EB-321F-0749-B37A-89BBA859503C}" type="datetimeFigureOut">
               <a:rPr lang="en-US" smtClean="0"/>
-              <a:t>18/12/2012</a:t>
+              <a:t>11/27/13</a:t>
             </a:fld>
             <a:endParaRPr lang="en-US"/>
           </a:p>
@@ -12372,7 +12372,7 @@
           <a:p>
             <a:fld id="{875CF0EB-321F-0749-B37A-89BBA859503C}" type="datetimeFigureOut">
               <a:rPr lang="en-US" smtClean="0"/>
-              <a:t>18/12/2012</a:t>
+              <a:t>11/27/13</a:t>
             </a:fld>
             <a:endParaRPr lang="en-US"/>
           </a:p>
@@ -12642,7 +12642,7 @@
           <a:p>
             <a:fld id="{875CF0EB-321F-0749-B37A-89BBA859503C}" type="datetimeFigureOut">
               <a:rPr lang="en-US" smtClean="0"/>
-              <a:t>18/12/2012</a:t>
+              <a:t>11/27/13</a:t>
             </a:fld>
             <a:endParaRPr lang="en-US"/>
           </a:p>
@@ -12954,7 +12954,7 @@
           <a:p>
             <a:fld id="{875CF0EB-321F-0749-B37A-89BBA859503C}" type="datetimeFigureOut">
               <a:rPr lang="en-US" smtClean="0"/>
-              <a:t>18/12/2012</a:t>
+              <a:t>11/27/13</a:t>
             </a:fld>
             <a:endParaRPr lang="en-US"/>
           </a:p>
@@ -13400,7 +13400,7 @@
           <a:p>
             <a:fld id="{875CF0EB-321F-0749-B37A-89BBA859503C}" type="datetimeFigureOut">
               <a:rPr lang="en-US" smtClean="0"/>
-              <a:t>18/12/2012</a:t>
+              <a:t>11/27/13</a:t>
             </a:fld>
             <a:endParaRPr lang="en-US"/>
           </a:p>
@@ -13542,7 +13542,7 @@
           <a:p>
             <a:fld id="{875CF0EB-321F-0749-B37A-89BBA859503C}" type="datetimeFigureOut">
               <a:rPr lang="en-US" smtClean="0"/>
-              <a:t>18/12/2012</a:t>
+              <a:t>11/27/13</a:t>
             </a:fld>
             <a:endParaRPr lang="en-US"/>
           </a:p>
@@ -13661,7 +13661,7 @@
           <a:p>
             <a:fld id="{875CF0EB-321F-0749-B37A-89BBA859503C}" type="datetimeFigureOut">
               <a:rPr lang="en-US" smtClean="0"/>
-              <a:t>18/12/2012</a:t>
+              <a:t>11/27/13</a:t>
             </a:fld>
             <a:endParaRPr lang="en-US"/>
           </a:p>
@@ -13962,7 +13962,7 @@
           <a:p>
             <a:fld id="{875CF0EB-321F-0749-B37A-89BBA859503C}" type="datetimeFigureOut">
               <a:rPr lang="en-US" smtClean="0"/>
-              <a:t>18/12/2012</a:t>
+              <a:t>11/27/13</a:t>
             </a:fld>
             <a:endParaRPr lang="en-US"/>
           </a:p>
@@ -14239,7 +14239,7 @@
           <a:p>
             <a:fld id="{875CF0EB-321F-0749-B37A-89BBA859503C}" type="datetimeFigureOut">
               <a:rPr lang="en-US" smtClean="0"/>
-              <a:t>18/12/2012</a:t>
+              <a:t>11/27/13</a:t>
             </a:fld>
             <a:endParaRPr lang="en-US"/>
           </a:p>
@@ -15085,11 +15085,22 @@
                 <a:ea typeface="ヒラギノ角ゴ ProN W3" charset="0"/>
                 <a:cs typeface="ヒラギノ角ゴ ProN W3" charset="0"/>
               </a:rPr>
-              <a:t>Dec 2012</a:t>
-            </a:r>
-          </a:p>
-          <a:p>
-            <a:endParaRPr lang="en-US"/>
+              <a:t>Dec </a:t>
+            </a:r>
+            <a:r>
+              <a:rPr lang="en-US" smtClean="0">
+                <a:ea typeface="ヒラギノ角ゴ ProN W3" charset="0"/>
+                <a:cs typeface="ヒラギノ角ゴ ProN W3" charset="0"/>
+              </a:rPr>
+              <a:t>2013</a:t>
+            </a:r>
+            <a:endParaRPr lang="en-US">
+              <a:ea typeface="ヒラギノ角ゴ ProN W3" charset="0"/>
+              <a:cs typeface="ヒラギノ角ゴ ProN W3" charset="0"/>
+            </a:endParaRPr>
+          </a:p>
+          <a:p>
+            <a:endParaRPr lang="en-US" dirty="0"/>
           </a:p>
         </p:txBody>
       </p:sp>

--- a/presentations/source/09b-intro-to-ws-sec.pptx
+++ b/presentations/source/09b-intro-to-ws-sec.pptx
@@ -216,7 +216,7 @@
             <a:fld id="{7307762F-A706-E543-A832-3C298AA3103F}" type="datetimeFigureOut">
               <a:rPr lang="en-US" smtClean="0"/>
               <a:pPr/>
-              <a:t>11/27/13</a:t>
+              <a:t>11/21/14</a:t>
             </a:fld>
             <a:endParaRPr lang="en-US" dirty="0"/>
           </a:p>
@@ -11974,7 +11974,7 @@
           <a:p>
             <a:fld id="{875CF0EB-321F-0749-B37A-89BBA859503C}" type="datetimeFigureOut">
               <a:rPr lang="en-US" smtClean="0"/>
-              <a:t>11/27/13</a:t>
+              <a:t>11/21/14</a:t>
             </a:fld>
             <a:endParaRPr lang="en-US"/>
           </a:p>
@@ -12178,7 +12178,7 @@
           <a:p>
             <a:fld id="{875CF0EB-321F-0749-B37A-89BBA859503C}" type="datetimeFigureOut">
               <a:rPr lang="en-US" smtClean="0"/>
-              <a:t>11/27/13</a:t>
+              <a:t>11/21/14</a:t>
             </a:fld>
             <a:endParaRPr lang="en-US"/>
           </a:p>
@@ -12372,7 +12372,7 @@
           <a:p>
             <a:fld id="{875CF0EB-321F-0749-B37A-89BBA859503C}" type="datetimeFigureOut">
               <a:rPr lang="en-US" smtClean="0"/>
-              <a:t>11/27/13</a:t>
+              <a:t>11/21/14</a:t>
             </a:fld>
             <a:endParaRPr lang="en-US"/>
           </a:p>
@@ -12642,7 +12642,7 @@
           <a:p>
             <a:fld id="{875CF0EB-321F-0749-B37A-89BBA859503C}" type="datetimeFigureOut">
               <a:rPr lang="en-US" smtClean="0"/>
-              <a:t>11/27/13</a:t>
+              <a:t>11/21/14</a:t>
             </a:fld>
             <a:endParaRPr lang="en-US"/>
           </a:p>
@@ -12954,7 +12954,7 @@
           <a:p>
             <a:fld id="{875CF0EB-321F-0749-B37A-89BBA859503C}" type="datetimeFigureOut">
               <a:rPr lang="en-US" smtClean="0"/>
-              <a:t>11/27/13</a:t>
+              <a:t>11/21/14</a:t>
             </a:fld>
             <a:endParaRPr lang="en-US"/>
           </a:p>
@@ -13400,7 +13400,7 @@
           <a:p>
             <a:fld id="{875CF0EB-321F-0749-B37A-89BBA859503C}" type="datetimeFigureOut">
               <a:rPr lang="en-US" smtClean="0"/>
-              <a:t>11/27/13</a:t>
+              <a:t>11/21/14</a:t>
             </a:fld>
             <a:endParaRPr lang="en-US"/>
           </a:p>
@@ -13542,7 +13542,7 @@
           <a:p>
             <a:fld id="{875CF0EB-321F-0749-B37A-89BBA859503C}" type="datetimeFigureOut">
               <a:rPr lang="en-US" smtClean="0"/>
-              <a:t>11/27/13</a:t>
+              <a:t>11/21/14</a:t>
             </a:fld>
             <a:endParaRPr lang="en-US"/>
           </a:p>
@@ -13661,7 +13661,7 @@
           <a:p>
             <a:fld id="{875CF0EB-321F-0749-B37A-89BBA859503C}" type="datetimeFigureOut">
               <a:rPr lang="en-US" smtClean="0"/>
-              <a:t>11/27/13</a:t>
+              <a:t>11/21/14</a:t>
             </a:fld>
             <a:endParaRPr lang="en-US"/>
           </a:p>
@@ -13962,7 +13962,7 @@
           <a:p>
             <a:fld id="{875CF0EB-321F-0749-B37A-89BBA859503C}" type="datetimeFigureOut">
               <a:rPr lang="en-US" smtClean="0"/>
-              <a:t>11/27/13</a:t>
+              <a:t>11/21/14</a:t>
             </a:fld>
             <a:endParaRPr lang="en-US"/>
           </a:p>
@@ -14239,7 +14239,7 @@
           <a:p>
             <a:fld id="{875CF0EB-321F-0749-B37A-89BBA859503C}" type="datetimeFigureOut">
               <a:rPr lang="en-US" smtClean="0"/>
-              <a:t>11/27/13</a:t>
+              <a:t>11/21/14</a:t>
             </a:fld>
             <a:endParaRPr lang="en-US"/>
           </a:p>
@@ -15092,7 +15092,7 @@
                 <a:ea typeface="ヒラギノ角ゴ ProN W3" charset="0"/>
                 <a:cs typeface="ヒラギノ角ゴ ProN W3" charset="0"/>
               </a:rPr>
-              <a:t>2013</a:t>
+              <a:t>2014</a:t>
             </a:r>
             <a:endParaRPr lang="en-US">
               <a:ea typeface="ヒラギノ角ゴ ProN W3" charset="0"/>

--- a/presentations/source/09b-intro-to-ws-sec.pptx
+++ b/presentations/source/09b-intro-to-ws-sec.pptx
@@ -216,7 +216,7 @@
             <a:fld id="{7307762F-A706-E543-A832-3C298AA3103F}" type="datetimeFigureOut">
               <a:rPr lang="en-US" smtClean="0"/>
               <a:pPr/>
-              <a:t>11/21/14</a:t>
+              <a:t>08/09/15</a:t>
             </a:fld>
             <a:endParaRPr lang="en-US" dirty="0"/>
           </a:p>
@@ -11974,7 +11974,7 @@
           <a:p>
             <a:fld id="{875CF0EB-321F-0749-B37A-89BBA859503C}" type="datetimeFigureOut">
               <a:rPr lang="en-US" smtClean="0"/>
-              <a:t>11/21/14</a:t>
+              <a:t>08/09/15</a:t>
             </a:fld>
             <a:endParaRPr lang="en-US"/>
           </a:p>
@@ -12178,7 +12178,7 @@
           <a:p>
             <a:fld id="{875CF0EB-321F-0749-B37A-89BBA859503C}" type="datetimeFigureOut">
               <a:rPr lang="en-US" smtClean="0"/>
-              <a:t>11/21/14</a:t>
+              <a:t>08/09/15</a:t>
             </a:fld>
             <a:endParaRPr lang="en-US"/>
           </a:p>
@@ -12372,7 +12372,7 @@
           <a:p>
             <a:fld id="{875CF0EB-321F-0749-B37A-89BBA859503C}" type="datetimeFigureOut">
               <a:rPr lang="en-US" smtClean="0"/>
-              <a:t>11/21/14</a:t>
+              <a:t>08/09/15</a:t>
             </a:fld>
             <a:endParaRPr lang="en-US"/>
           </a:p>
@@ -12642,7 +12642,7 @@
           <a:p>
             <a:fld id="{875CF0EB-321F-0749-B37A-89BBA859503C}" type="datetimeFigureOut">
               <a:rPr lang="en-US" smtClean="0"/>
-              <a:t>11/21/14</a:t>
+              <a:t>08/09/15</a:t>
             </a:fld>
             <a:endParaRPr lang="en-US"/>
           </a:p>
@@ -12954,7 +12954,7 @@
           <a:p>
             <a:fld id="{875CF0EB-321F-0749-B37A-89BBA859503C}" type="datetimeFigureOut">
               <a:rPr lang="en-US" smtClean="0"/>
-              <a:t>11/21/14</a:t>
+              <a:t>08/09/15</a:t>
             </a:fld>
             <a:endParaRPr lang="en-US"/>
           </a:p>
@@ -13400,7 +13400,7 @@
           <a:p>
             <a:fld id="{875CF0EB-321F-0749-B37A-89BBA859503C}" type="datetimeFigureOut">
               <a:rPr lang="en-US" smtClean="0"/>
-              <a:t>11/21/14</a:t>
+              <a:t>08/09/15</a:t>
             </a:fld>
             <a:endParaRPr lang="en-US"/>
           </a:p>
@@ -13542,7 +13542,7 @@
           <a:p>
             <a:fld id="{875CF0EB-321F-0749-B37A-89BBA859503C}" type="datetimeFigureOut">
               <a:rPr lang="en-US" smtClean="0"/>
-              <a:t>11/21/14</a:t>
+              <a:t>08/09/15</a:t>
             </a:fld>
             <a:endParaRPr lang="en-US"/>
           </a:p>
@@ -13661,7 +13661,7 @@
           <a:p>
             <a:fld id="{875CF0EB-321F-0749-B37A-89BBA859503C}" type="datetimeFigureOut">
               <a:rPr lang="en-US" smtClean="0"/>
-              <a:t>11/21/14</a:t>
+              <a:t>08/09/15</a:t>
             </a:fld>
             <a:endParaRPr lang="en-US"/>
           </a:p>
@@ -13962,7 +13962,7 @@
           <a:p>
             <a:fld id="{875CF0EB-321F-0749-B37A-89BBA859503C}" type="datetimeFigureOut">
               <a:rPr lang="en-US" smtClean="0"/>
-              <a:t>11/21/14</a:t>
+              <a:t>08/09/15</a:t>
             </a:fld>
             <a:endParaRPr lang="en-US"/>
           </a:p>
@@ -14239,7 +14239,7 @@
           <a:p>
             <a:fld id="{875CF0EB-321F-0749-B37A-89BBA859503C}" type="datetimeFigureOut">
               <a:rPr lang="en-US" smtClean="0"/>
-              <a:t>11/21/14</a:t>
+              <a:t>08/09/15</a:t>
             </a:fld>
             <a:endParaRPr lang="en-US"/>
           </a:p>
@@ -15081,20 +15081,13 @@
           </a:p>
           <a:p>
             <a:r>
-              <a:rPr lang="en-US">
-                <a:ea typeface="ヒラギノ角ゴ ProN W3" charset="0"/>
-                <a:cs typeface="ヒラギノ角ゴ ProN W3" charset="0"/>
-              </a:rPr>
-              <a:t>Dec </a:t>
-            </a:r>
-            <a:r>
               <a:rPr lang="en-US" smtClean="0">
                 <a:ea typeface="ヒラギノ角ゴ ProN W3" charset="0"/>
                 <a:cs typeface="ヒラギノ角ゴ ProN W3" charset="0"/>
               </a:rPr>
-              <a:t>2014</a:t>
-            </a:r>
-            <a:endParaRPr lang="en-US">
+              <a:t>Sep 2015</a:t>
+            </a:r>
+            <a:endParaRPr lang="en-US" dirty="0">
               <a:ea typeface="ヒラギノ角ゴ ProN W3" charset="0"/>
               <a:cs typeface="ヒラギノ角ゴ ProN W3" charset="0"/>
             </a:endParaRPr>
